--- a/Documentos e Controles/Organograma.pptx
+++ b/Documentos e Controles/Organograma.pptx
@@ -223,7 +223,7 @@
             <a:pPr rtl="0"/>
             <a:fld id="{57FCBE79-5E6B-42FD-94BB-03C3A75A1AD4}" type="datetime1">
               <a:rPr lang="pt-BR" smtClean="0"/>
-              <a:t>25/03/2023</a:t>
+              <a:t>11/04/2023</a:t>
             </a:fld>
             <a:endParaRPr lang="pt-BR" dirty="0"/>
           </a:p>
@@ -404,7 +404,7 @@
             <a:fld id="{3DF59C98-A035-4E70-B82A-A0386D7D8340}" type="datetime1">
               <a:rPr lang="pt-BR" smtClean="0"/>
               <a:pPr/>
-              <a:t>25/03/2023</a:t>
+              <a:t>11/04/2023</a:t>
             </a:fld>
             <a:endParaRPr lang="pt-BR" dirty="0"/>
           </a:p>
@@ -957,7 +957,7 @@
             <a:pPr rtl="0"/>
             <a:fld id="{A45358C4-E736-4578-9F05-753564E8D880}" type="datetime1">
               <a:rPr lang="pt-BR" noProof="0" smtClean="0"/>
-              <a:t>25/03/2023</a:t>
+              <a:t>11/04/2023</a:t>
             </a:fld>
             <a:endParaRPr lang="pt-BR" noProof="0"/>
           </a:p>
@@ -1185,7 +1185,7 @@
             <a:pPr rtl="0"/>
             <a:fld id="{F01B177C-E810-4317-A2EF-110B7B32E3CD}" type="datetime1">
               <a:rPr lang="pt-BR" noProof="0" smtClean="0"/>
-              <a:t>25/03/2023</a:t>
+              <a:t>11/04/2023</a:t>
             </a:fld>
             <a:endParaRPr lang="pt-BR" noProof="0"/>
           </a:p>
@@ -1367,7 +1367,7 @@
             <a:pPr rtl="0"/>
             <a:fld id="{9E7C7478-5109-48B2-B32D-A7105EE4686C}" type="datetime1">
               <a:rPr lang="pt-BR" noProof="0" smtClean="0"/>
-              <a:t>25/03/2023</a:t>
+              <a:t>11/04/2023</a:t>
             </a:fld>
             <a:endParaRPr lang="pt-BR" noProof="0"/>
           </a:p>
@@ -1539,7 +1539,7 @@
             <a:pPr rtl="0"/>
             <a:fld id="{927C1744-5DBC-4C14-81CB-A8ACD3C9387E}" type="datetime1">
               <a:rPr lang="pt-BR" noProof="0" smtClean="0"/>
-              <a:t>25/03/2023</a:t>
+              <a:t>11/04/2023</a:t>
             </a:fld>
             <a:endParaRPr lang="pt-BR" noProof="0"/>
           </a:p>
@@ -1793,7 +1793,7 @@
             <a:pPr rtl="0"/>
             <a:fld id="{71FAC1E1-F04B-4AEF-890C-527E33BD3F31}" type="datetime1">
               <a:rPr lang="pt-BR" noProof="0" smtClean="0"/>
-              <a:t>25/03/2023</a:t>
+              <a:t>11/04/2023</a:t>
             </a:fld>
             <a:endParaRPr lang="pt-BR" noProof="0"/>
           </a:p>
@@ -2122,7 +2122,7 @@
             <a:pPr rtl="0"/>
             <a:fld id="{6ECEA6B7-5B50-4139-A4CB-E361A3253E63}" type="datetime1">
               <a:rPr lang="pt-BR" noProof="0" smtClean="0"/>
-              <a:t>25/03/2023</a:t>
+              <a:t>11/04/2023</a:t>
             </a:fld>
             <a:endParaRPr lang="pt-BR" noProof="0"/>
           </a:p>
@@ -2547,7 +2547,7 @@
             <a:pPr rtl="0"/>
             <a:fld id="{98C89B98-F5A8-4CE6-B32D-27D96FBF66C8}" type="datetime1">
               <a:rPr lang="pt-BR" noProof="0" smtClean="0"/>
-              <a:t>25/03/2023</a:t>
+              <a:t>11/04/2023</a:t>
             </a:fld>
             <a:endParaRPr lang="pt-BR" noProof="0"/>
           </a:p>
@@ -2668,7 +2668,7 @@
             <a:pPr rtl="0"/>
             <a:fld id="{2637A473-07B4-40BB-A37F-0A3E1DAD72FF}" type="datetime1">
               <a:rPr lang="pt-BR" noProof="0" smtClean="0"/>
-              <a:t>25/03/2023</a:t>
+              <a:t>11/04/2023</a:t>
             </a:fld>
             <a:endParaRPr lang="pt-BR" noProof="0"/>
           </a:p>
@@ -2766,7 +2766,7 @@
             <a:pPr rtl="0"/>
             <a:fld id="{6230736D-1FDC-4244-8239-1EBA273C2F45}" type="datetime1">
               <a:rPr lang="pt-BR" noProof="0" smtClean="0"/>
-              <a:t>25/03/2023</a:t>
+              <a:t>11/04/2023</a:t>
             </a:fld>
             <a:endParaRPr lang="pt-BR" noProof="0"/>
           </a:p>
@@ -3063,7 +3063,7 @@
             <a:pPr rtl="0"/>
             <a:fld id="{C7833235-0A3F-43B8-979E-057A9F3FA7F3}" type="datetime1">
               <a:rPr lang="pt-BR" noProof="0" smtClean="0"/>
-              <a:t>25/03/2023</a:t>
+              <a:t>11/04/2023</a:t>
             </a:fld>
             <a:endParaRPr lang="pt-BR" noProof="0"/>
           </a:p>
@@ -3338,7 +3338,7 @@
             <a:pPr rtl="0"/>
             <a:fld id="{F7232FC3-FDC6-45AD-AECE-A7E1FFBD6A30}" type="datetime1">
               <a:rPr lang="pt-BR" noProof="0" smtClean="0"/>
-              <a:t>25/03/2023</a:t>
+              <a:t>11/04/2023</a:t>
             </a:fld>
             <a:endParaRPr lang="pt-BR" noProof="0"/>
           </a:p>
@@ -3594,7 +3594,7 @@
             <a:pPr rtl="0"/>
             <a:fld id="{92626E45-BF35-4A92-A115-E8384B88F02C}" type="datetime1">
               <a:rPr lang="pt-BR" noProof="0" smtClean="0"/>
-              <a:t>25/03/2023</a:t>
+              <a:t>11/04/2023</a:t>
             </a:fld>
             <a:endParaRPr lang="pt-BR" noProof="0"/>
           </a:p>
@@ -5254,8 +5254,8 @@
                   </p:nvSpPr>
                   <p:spPr>
                     <a:xfrm>
-                      <a:off x="5483502" y="3853596"/>
-                      <a:ext cx="1332000" cy="684000"/>
+                      <a:off x="5353227" y="3853596"/>
+                      <a:ext cx="1668890" cy="684000"/>
                     </a:xfrm>
                     <a:prstGeom prst="rect">
                       <a:avLst/>
@@ -5321,7 +5321,7 @@
                             </a:schemeClr>
                           </a:solidFill>
                         </a:rPr>
-                        <a:t>Egídio Graça</a:t>
+                        <a:t>Antônio Egydeo Graça</a:t>
                       </a:r>
                       <a:br>
                         <a:rPr lang="pt-BR" sz="1200" kern="1200" dirty="0">
@@ -6607,7 +6607,7 @@
                       </p:nvPicPr>
                       <p:blipFill>
                         <a:blip r:embed="rId4"/>
-                        <a:srcRect/>
+                        <a:srcRect l="1172" r="1172"/>
                         <a:stretch/>
                       </p:blipFill>
                       <p:spPr>
@@ -6635,8 +6635,8 @@
                         <p:nvPr/>
                       </p:nvPicPr>
                       <p:blipFill>
-                        <a:blip r:embed="rId4"/>
-                        <a:srcRect/>
+                        <a:blip r:embed="rId5"/>
+                        <a:srcRect t="3093" b="3093"/>
                         <a:stretch/>
                       </p:blipFill>
                       <p:spPr>
@@ -6664,7 +6664,7 @@
                         <p:nvPr/>
                       </p:nvPicPr>
                       <p:blipFill>
-                        <a:blip r:embed="rId5"/>
+                        <a:blip r:embed="rId6"/>
                         <a:srcRect t="5325" b="5325"/>
                         <a:stretch/>
                       </p:blipFill>
@@ -6693,7 +6693,7 @@
                         <p:nvPr/>
                       </p:nvPicPr>
                       <p:blipFill>
-                        <a:blip r:embed="rId6"/>
+                        <a:blip r:embed="rId7"/>
                         <a:srcRect/>
                         <a:stretch/>
                       </p:blipFill>
@@ -6722,7 +6722,7 @@
                         <p:nvPr/>
                       </p:nvPicPr>
                       <p:blipFill>
-                        <a:blip r:embed="rId7"/>
+                        <a:blip r:embed="rId8"/>
                         <a:srcRect t="13766" b="13766"/>
                         <a:stretch/>
                       </p:blipFill>
@@ -6751,7 +6751,7 @@
                         <p:nvPr/>
                       </p:nvPicPr>
                       <p:blipFill>
-                        <a:blip r:embed="rId8"/>
+                        <a:blip r:embed="rId9"/>
                         <a:srcRect t="15897" b="15897"/>
                         <a:stretch/>
                       </p:blipFill>
@@ -6824,7 +6824,7 @@
                         <p:nvPr/>
                       </p:nvPicPr>
                       <p:blipFill>
-                        <a:blip r:embed="rId9"/>
+                        <a:blip r:embed="rId10"/>
                         <a:srcRect l="3846" r="3846"/>
                         <a:stretch/>
                       </p:blipFill>
@@ -6853,8 +6853,8 @@
                         <p:nvPr/>
                       </p:nvPicPr>
                       <p:blipFill>
-                        <a:blip r:embed="rId10"/>
-                        <a:srcRect t="8675" b="8675"/>
+                        <a:blip r:embed="rId11"/>
+                        <a:srcRect t="1653" b="1653"/>
                         <a:stretch/>
                       </p:blipFill>
                       <p:spPr>
@@ -6882,7 +6882,7 @@
                         <p:nvPr/>
                       </p:nvPicPr>
                       <p:blipFill>
-                        <a:blip r:embed="rId4"/>
+                        <a:blip r:embed="rId12"/>
                         <a:srcRect/>
                         <a:stretch/>
                       </p:blipFill>
